--- a/RIR_使用教程.pptx
+++ b/RIR_使用教程.pptx
@@ -218,7 +218,7 @@
           <a:p>
             <a:fld id="{D2A48B96-639E-45A3-A0BA-2464DFDB1FAA}" type="datetimeFigureOut">
               <a:rPr lang="zh-CN" altLang="en-US" smtClean="0"/>
-              <a:t>2023/12/19</a:t>
+              <a:t>2024/6/6</a:t>
             </a:fld>
             <a:endParaRPr lang="zh-CN" altLang="en-US"/>
           </a:p>
@@ -609,7 +609,7 @@
           <a:p>
             <a:fld id="{82F288E0-7875-42C4-84C8-98DBBD3BF4D2}" type="datetimeFigureOut">
               <a:rPr lang="zh-CN" altLang="en-US" smtClean="0"/>
-              <a:t>2023/12/19</a:t>
+              <a:t>2024/6/6</a:t>
             </a:fld>
             <a:endParaRPr lang="zh-CN" altLang="en-US"/>
           </a:p>
@@ -755,7 +755,7 @@
           <a:p>
             <a:fld id="{82F288E0-7875-42C4-84C8-98DBBD3BF4D2}" type="datetimeFigureOut">
               <a:rPr lang="zh-CN" altLang="en-US" smtClean="0"/>
-              <a:t>2023/12/19</a:t>
+              <a:t>2024/6/6</a:t>
             </a:fld>
             <a:endParaRPr lang="zh-CN" altLang="en-US"/>
           </a:p>
@@ -918,7 +918,7 @@
           <a:p>
             <a:fld id="{82F288E0-7875-42C4-84C8-98DBBD3BF4D2}" type="datetimeFigureOut">
               <a:rPr lang="zh-CN" altLang="en-US" smtClean="0"/>
-              <a:t>2023/12/19</a:t>
+              <a:t>2024/6/6</a:t>
             </a:fld>
             <a:endParaRPr lang="zh-CN" altLang="en-US"/>
           </a:p>
@@ -1016,7 +1016,7 @@
           <a:p>
             <a:fld id="{82F288E0-7875-42C4-84C8-98DBBD3BF4D2}" type="datetimeFigureOut">
               <a:rPr lang="zh-CN" altLang="en-US" smtClean="0"/>
-              <a:t>2023/12/19</a:t>
+              <a:t>2024/6/6</a:t>
             </a:fld>
             <a:endParaRPr lang="zh-CN" altLang="en-US"/>
           </a:p>
@@ -1360,7 +1360,7 @@
           <a:p>
             <a:fld id="{82F288E0-7875-42C4-84C8-98DBBD3BF4D2}" type="datetimeFigureOut">
               <a:rPr lang="zh-CN" altLang="en-US" smtClean="0"/>
-              <a:t>2023/12/19</a:t>
+              <a:t>2024/6/6</a:t>
             </a:fld>
             <a:endParaRPr lang="zh-CN" altLang="en-US"/>
           </a:p>
@@ -1719,7 +1719,7 @@
           <a:p>
             <a:fld id="{82F288E0-7875-42C4-84C8-98DBBD3BF4D2}" type="datetimeFigureOut">
               <a:rPr lang="zh-CN" altLang="en-US" smtClean="0"/>
-              <a:t>2023/12/19</a:t>
+              <a:t>2024/6/6</a:t>
             </a:fld>
             <a:endParaRPr lang="zh-CN" altLang="en-US"/>
           </a:p>
@@ -1831,7 +1831,7 @@
           <a:p>
             <a:fld id="{82F288E0-7875-42C4-84C8-98DBBD3BF4D2}" type="datetimeFigureOut">
               <a:rPr lang="zh-CN" altLang="en-US" smtClean="0"/>
-              <a:t>2023/12/19</a:t>
+              <a:t>2024/6/6</a:t>
             </a:fld>
             <a:endParaRPr lang="zh-CN" altLang="en-US"/>
           </a:p>
@@ -1921,7 +1921,7 @@
           <a:p>
             <a:fld id="{82F288E0-7875-42C4-84C8-98DBBD3BF4D2}" type="datetimeFigureOut">
               <a:rPr lang="zh-CN" altLang="en-US" smtClean="0"/>
-              <a:t>2023/12/19</a:t>
+              <a:t>2024/6/6</a:t>
             </a:fld>
             <a:endParaRPr lang="zh-CN" altLang="en-US"/>
           </a:p>
@@ -2168,7 +2168,7 @@
           <a:p>
             <a:fld id="{82F288E0-7875-42C4-84C8-98DBBD3BF4D2}" type="datetimeFigureOut">
               <a:rPr lang="zh-CN" altLang="en-US" smtClean="0"/>
-              <a:t>2023/12/19</a:t>
+              <a:t>2024/6/6</a:t>
             </a:fld>
             <a:endParaRPr lang="zh-CN" altLang="en-US"/>
           </a:p>
@@ -2341,7 +2341,7 @@
           <a:p>
             <a:fld id="{82F288E0-7875-42C4-84C8-98DBBD3BF4D2}" type="datetimeFigureOut">
               <a:rPr lang="zh-CN" altLang="en-US" smtClean="0"/>
-              <a:t>2023/12/19</a:t>
+              <a:t>2024/6/6</a:t>
             </a:fld>
             <a:endParaRPr lang="zh-CN" altLang="en-US"/>
           </a:p>
@@ -2547,7 +2547,7 @@
           <a:p>
             <a:fld id="{82F288E0-7875-42C4-84C8-98DBBD3BF4D2}" type="datetimeFigureOut">
               <a:rPr lang="zh-CN" altLang="en-US" smtClean="0"/>
-              <a:t>2023/12/19</a:t>
+              <a:t>2024/6/6</a:t>
             </a:fld>
             <a:endParaRPr lang="zh-CN" altLang="en-US"/>
           </a:p>
@@ -30583,36 +30583,6 @@
           </a:p>
         </p:txBody>
       </p:sp>
-      <p:pic>
-        <p:nvPicPr>
-          <p:cNvPr id="20" name="图片 19">
-            <a:extLst>
-              <a:ext uri="{FF2B5EF4-FFF2-40B4-BE49-F238E27FC236}">
-                <a16:creationId xmlns:a16="http://schemas.microsoft.com/office/drawing/2014/main" id="{25F38D68-95F9-CBB5-1B96-3A3D66A9D946}"/>
-              </a:ext>
-            </a:extLst>
-          </p:cNvPr>
-          <p:cNvPicPr>
-            <a:picLocks noChangeAspect="1"/>
-          </p:cNvPicPr>
-          <p:nvPr/>
-        </p:nvPicPr>
-        <p:blipFill>
-          <a:blip r:embed="rId3"/>
-          <a:stretch>
-            <a:fillRect/>
-          </a:stretch>
-        </p:blipFill>
-        <p:spPr>
-          <a:xfrm>
-            <a:off x="501048" y="4553883"/>
-            <a:ext cx="5263416" cy="1907301"/>
-          </a:xfrm>
-          <a:prstGeom prst="rect">
-            <a:avLst/>
-          </a:prstGeom>
-        </p:spPr>
-      </p:pic>
       <p:sp>
         <p:nvSpPr>
           <p:cNvPr id="21" name="Rectangle 4">
@@ -31373,6 +31343,154 @@
               <a:effectLst/>
               <a:latin typeface="Arial" panose="020B0604020202020204" pitchFamily="34" charset="0"/>
             </a:endParaRPr>
+          </a:p>
+        </p:txBody>
+      </p:sp>
+      <p:pic>
+        <p:nvPicPr>
+          <p:cNvPr id="1026" name="Picture 2" descr="image">
+            <a:extLst>
+              <a:ext uri="{FF2B5EF4-FFF2-40B4-BE49-F238E27FC236}">
+                <a16:creationId xmlns:a16="http://schemas.microsoft.com/office/drawing/2014/main" id="{EB02DC51-765C-7D19-722D-1C3B9C73A5F4}"/>
+              </a:ext>
+            </a:extLst>
+          </p:cNvPr>
+          <p:cNvPicPr>
+            <a:picLocks noChangeAspect="1" noChangeArrowheads="1"/>
+          </p:cNvPicPr>
+          <p:nvPr/>
+        </p:nvPicPr>
+        <p:blipFill>
+          <a:blip r:embed="rId3" cstate="print">
+            <a:extLst>
+              <a:ext uri="{28A0092B-C50C-407E-A947-70E740481C1C}">
+                <a14:useLocalDpi xmlns:a14="http://schemas.microsoft.com/office/drawing/2010/main" val="0"/>
+              </a:ext>
+            </a:extLst>
+          </a:blip>
+          <a:srcRect/>
+          <a:stretch>
+            <a:fillRect/>
+          </a:stretch>
+        </p:blipFill>
+        <p:spPr bwMode="auto">
+          <a:xfrm>
+            <a:off x="350808" y="4362712"/>
+            <a:ext cx="4190641" cy="2410595"/>
+          </a:xfrm>
+          <a:prstGeom prst="rect">
+            <a:avLst/>
+          </a:prstGeom>
+          <a:noFill/>
+          <a:extLst>
+            <a:ext uri="{909E8E84-426E-40DD-AFC4-6F175D3DCCD1}">
+              <a14:hiddenFill xmlns:a14="http://schemas.microsoft.com/office/drawing/2010/main">
+                <a:solidFill>
+                  <a:srgbClr val="FFFFFF"/>
+                </a:solidFill>
+              </a14:hiddenFill>
+            </a:ext>
+          </a:extLst>
+        </p:spPr>
+      </p:pic>
+      <p:cxnSp>
+        <p:nvCxnSpPr>
+          <p:cNvPr id="3" name="直接箭头连接符 2">
+            <a:extLst>
+              <a:ext uri="{FF2B5EF4-FFF2-40B4-BE49-F238E27FC236}">
+                <a16:creationId xmlns:a16="http://schemas.microsoft.com/office/drawing/2014/main" id="{C59E50B5-0356-8B6E-DCF6-1E0E745BFCB8}"/>
+              </a:ext>
+            </a:extLst>
+          </p:cNvPr>
+          <p:cNvCxnSpPr/>
+          <p:nvPr/>
+        </p:nvCxnSpPr>
+        <p:spPr>
+          <a:xfrm flipH="1">
+            <a:off x="3971925" y="5819775"/>
+            <a:ext cx="2039094" cy="219075"/>
+          </a:xfrm>
+          <a:prstGeom prst="straightConnector1">
+            <a:avLst/>
+          </a:prstGeom>
+          <a:ln w="38100">
+            <a:solidFill>
+              <a:srgbClr val="FF0000"/>
+            </a:solidFill>
+            <a:tailEnd type="triangle"/>
+          </a:ln>
+        </p:spPr>
+        <p:style>
+          <a:lnRef idx="1">
+            <a:schemeClr val="accent1"/>
+          </a:lnRef>
+          <a:fillRef idx="0">
+            <a:schemeClr val="accent1"/>
+          </a:fillRef>
+          <a:effectRef idx="0">
+            <a:schemeClr val="accent1"/>
+          </a:effectRef>
+          <a:fontRef idx="minor">
+            <a:schemeClr val="tx1"/>
+          </a:fontRef>
+        </p:style>
+      </p:cxnSp>
+      <p:sp>
+        <p:nvSpPr>
+          <p:cNvPr id="5" name="文本框 4">
+            <a:extLst>
+              <a:ext uri="{FF2B5EF4-FFF2-40B4-BE49-F238E27FC236}">
+                <a16:creationId xmlns:a16="http://schemas.microsoft.com/office/drawing/2014/main" id="{08754D03-2FFE-3471-EC8A-8DC456D3CAC0}"/>
+              </a:ext>
+            </a:extLst>
+          </p:cNvPr>
+          <p:cNvSpPr txBox="1"/>
+          <p:nvPr/>
+        </p:nvSpPr>
+        <p:spPr>
+          <a:xfrm>
+            <a:off x="6011019" y="6274844"/>
+            <a:ext cx="6094562" cy="369332"/>
+          </a:xfrm>
+          <a:prstGeom prst="rect">
+            <a:avLst/>
+          </a:prstGeom>
+          <a:noFill/>
+        </p:spPr>
+        <p:txBody>
+          <a:bodyPr wrap="square">
+            <a:spAutoFit/>
+          </a:bodyPr>
+          <a:lstStyle/>
+          <a:p>
+            <a:r>
+              <a:rPr lang="en-US" altLang="zh-CN" dirty="0" err="1">
+                <a:latin typeface="Arial" panose="020B0604020202020204" pitchFamily="34" charset="0"/>
+                <a:cs typeface="Arial" panose="020B0604020202020204" pitchFamily="34" charset="0"/>
+              </a:rPr>
+              <a:t>Rir</a:t>
+            </a:r>
+            <a:r>
+              <a:rPr lang="zh-CN" altLang="en-US" dirty="0">
+                <a:latin typeface="Arial" panose="020B0604020202020204" pitchFamily="34" charset="0"/>
+                <a:cs typeface="Arial" panose="020B0604020202020204" pitchFamily="34" charset="0"/>
+              </a:rPr>
+              <a:t>初始化的部分一定要放在</a:t>
+            </a:r>
+            <a:r>
+              <a:rPr lang="en-US" altLang="zh-CN" dirty="0">
+                <a:latin typeface="Arial" panose="020B0604020202020204" pitchFamily="34" charset="0"/>
+                <a:cs typeface="Arial" panose="020B0604020202020204" pitchFamily="34" charset="0"/>
+              </a:rPr>
+              <a:t>cache</a:t>
+            </a:r>
+            <a:r>
+              <a:rPr lang="zh-CN" altLang="en-US" dirty="0">
+                <a:latin typeface="Arial" panose="020B0604020202020204" pitchFamily="34" charset="0"/>
+                <a:cs typeface="Arial" panose="020B0604020202020204" pitchFamily="34" charset="0"/>
+              </a:rPr>
+              <a:t>的前面</a:t>
+            </a:r>
           </a:p>
         </p:txBody>
       </p:sp>
